--- a/doc/paper/缑通旺-开题.pptx
+++ b/doc/paper/缑通旺-开题.pptx
@@ -34808,7 +34808,7 @@
                 <a:cs typeface="+mn-ea"/>
                 <a:sym typeface="+mn-lt"/>
               </a:rPr>
-              <a:t>4.10 </a:t>
+              <a:t>4.15 </a:t>
             </a:r>
             <a:r>
               <a:rPr lang="zh-CN" altLang="en-US" sz="2000" dirty="0">
@@ -36937,7 +36937,7 @@
                 <a:cs typeface="+mn-ea"/>
                 <a:sym typeface="+mn-lt"/>
               </a:rPr>
-              <a:t>4.11</a:t>
+              <a:t>4.15</a:t>
             </a:r>
             <a:r>
               <a:rPr lang="zh-CN" altLang="en-US" sz="2000" dirty="0">
@@ -36951,14 +36951,14 @@
                 <a:cs typeface="+mn-ea"/>
                 <a:sym typeface="+mn-lt"/>
               </a:rPr>
-              <a:t>5.01 </a:t>
+              <a:t>5.15 </a:t>
             </a:r>
             <a:r>
               <a:rPr lang="zh-CN" altLang="en-US" sz="2000" dirty="0">
                 <a:cs typeface="+mn-ea"/>
                 <a:sym typeface="+mn-lt"/>
               </a:rPr>
-              <a:t>完成请求反解析分析，生成接口代码的功能</a:t>
+              <a:t>深入学习WebAssembly的编码与运用</a:t>
             </a:r>
             <a:endParaRPr lang="zh-CN" altLang="en-US" sz="2000" dirty="0">
               <a:cs typeface="+mn-ea"/>
@@ -36976,7 +36976,7 @@
         <p:spPr bwMode="auto">
           <a:xfrm>
             <a:off x="1699260" y="2913380"/>
-            <a:ext cx="7181215" cy="727710"/>
+            <a:ext cx="8825230" cy="727710"/>
           </a:xfrm>
           <a:prstGeom prst="rect">
             <a:avLst/>
@@ -37088,7 +37088,7 @@
                 <a:cs typeface="+mn-ea"/>
                 <a:sym typeface="+mn-lt"/>
               </a:rPr>
-              <a:t>5.01</a:t>
+              <a:t>5.16</a:t>
             </a:r>
             <a:r>
               <a:rPr lang="zh-CN" altLang="en-US" sz="2000" dirty="0">
@@ -37102,14 +37102,14 @@
                 <a:cs typeface="+mn-ea"/>
                 <a:sym typeface="+mn-lt"/>
               </a:rPr>
-              <a:t>6.01 </a:t>
+              <a:t>7.15 </a:t>
             </a:r>
             <a:r>
               <a:rPr lang="zh-CN" altLang="en-US" sz="2000" dirty="0">
                 <a:cs typeface="+mn-ea"/>
                 <a:sym typeface="+mn-lt"/>
               </a:rPr>
-              <a:t>完成接口生命周期管理的模块以及性能需求</a:t>
+              <a:t>完成接口生命周期管理的模块、数据包反解析分析以及性能需求</a:t>
             </a:r>
             <a:endParaRPr lang="zh-CN" altLang="en-US" sz="2000" dirty="0">
               <a:cs typeface="+mn-ea"/>
@@ -37239,7 +37239,7 @@
                 <a:cs typeface="+mn-ea"/>
                 <a:sym typeface="+mn-lt"/>
               </a:rPr>
-              <a:t>6.01</a:t>
+              <a:t>7.16</a:t>
             </a:r>
             <a:r>
               <a:rPr lang="zh-CN" altLang="en-US" sz="2000" dirty="0">
@@ -37253,7 +37253,7 @@
                 <a:cs typeface="+mn-ea"/>
                 <a:sym typeface="+mn-lt"/>
               </a:rPr>
-              <a:t>8.15 </a:t>
+              <a:t>9.15 </a:t>
             </a:r>
             <a:r>
               <a:rPr lang="zh-CN" altLang="en-US" sz="2000" dirty="0">
@@ -37390,20 +37390,6 @@
                 <a:cs typeface="+mn-ea"/>
                 <a:sym typeface="+mn-lt"/>
               </a:rPr>
-              <a:t>8.15</a:t>
-            </a:r>
-            <a:r>
-              <a:rPr lang="zh-CN" altLang="en-US" sz="2000" dirty="0">
-                <a:cs typeface="+mn-ea"/>
-                <a:sym typeface="+mn-lt"/>
-              </a:rPr>
-              <a:t>～</a:t>
-            </a:r>
-            <a:r>
-              <a:rPr lang="en-US" altLang="zh-CN" sz="2000" dirty="0">
-                <a:cs typeface="+mn-ea"/>
-                <a:sym typeface="+mn-lt"/>
-              </a:rPr>
               <a:t>9.15</a:t>
             </a:r>
             <a:r>
@@ -37411,7 +37397,7 @@
                 <a:cs typeface="+mn-ea"/>
                 <a:sym typeface="+mn-lt"/>
               </a:rPr>
-              <a:t> 完成论文撰写</a:t>
+              <a:t>～答辩 完成论文撰写</a:t>
             </a:r>
             <a:endParaRPr lang="zh-CN" altLang="en-US" sz="2000" dirty="0">
               <a:cs typeface="+mn-ea"/>

--- a/doc/paper/缑通旺-开题.pptx
+++ b/doc/paper/缑通旺-开题.pptx
@@ -9954,7 +9954,7 @@
                 <a:cs typeface="+mn-ea"/>
                 <a:sym typeface="+mn-lt"/>
               </a:rPr>
-              <a:t>2022/3/15</a:t>
+              <a:t>2022/3/21</a:t>
             </a:r>
             <a:endParaRPr lang="zh-CN" altLang="en-US" sz="2800" dirty="0">
               <a:solidFill>
@@ -21244,7 +21244,7 @@
         </p:nvSpPr>
         <p:spPr>
           <a:xfrm>
-            <a:off x="880110" y="1327150"/>
+            <a:off x="880110" y="1338580"/>
             <a:ext cx="10638790" cy="4366260"/>
           </a:xfrm>
           <a:prstGeom prst="roundRect">
@@ -21597,7 +21597,7 @@
                   <a:cs typeface="+mn-ea"/>
                   <a:sym typeface="+mn-lt"/>
                 </a:rPr>
-                <a:t>完成跨平台桌面应用的开发是一个复杂的过程</a:t>
+                <a:t>完成跨平台桌面应用的开发包含以下过程：</a:t>
               </a:r>
               <a:endParaRPr lang="zh-CN" altLang="en-US" dirty="0">
                 <a:solidFill>
@@ -30229,7 +30229,7 @@
                 <a:latin typeface="+mn-ea"/>
                 <a:cs typeface="+mn-ea"/>
               </a:rPr>
-              <a:t>WASM</a:t>
+              <a:t>WebAssembly </a:t>
             </a:r>
             <a:r>
               <a:rPr lang="zh-CN" altLang="en-US" sz="1600" b="0">
@@ -39504,7 +39504,7 @@
                 <a:cs typeface="+mn-ea"/>
                 <a:sym typeface="+mn-lt"/>
               </a:rPr>
-              <a:t>2022/03/15</a:t>
+              <a:t>2022/03/21</a:t>
             </a:r>
             <a:endParaRPr lang="zh-CN" altLang="en-US" sz="2800" dirty="0">
               <a:solidFill>
